--- a/lecture/Lecture 18 October 23/18 resampling.pptx
+++ b/lecture/Lecture 18 October 23/18 resampling.pptx
@@ -3448,18 +3448,13 @@
           <a:p>
             <a:r>
               <a:rPr lang="en-US" dirty="0"/>
-              <a:t>Class </a:t>
-            </a:r>
-            <a:r>
-              <a:rPr lang="en-US"/>
-              <a:t># 7</a:t>
-            </a:r>
-            <a:endParaRPr lang="en-US" dirty="0"/>
-          </a:p>
-          <a:p>
-            <a:r>
-              <a:rPr lang="en-US" dirty="0"/>
-              <a:t>Sept 14 2017</a:t>
+              <a:t>Class # 18</a:t>
+            </a:r>
+          </a:p>
+          <a:p>
+            <a:r>
+              <a:rPr lang="en-US" dirty="0"/>
+              <a:t>October 23, 2018</a:t>
             </a:r>
           </a:p>
         </p:txBody>
@@ -5932,7 +5927,50 @@
           <a:bodyPr/>
           <a:lstStyle/>
           <a:p>
-            <a:endParaRPr lang="en-US"/>
+            <a:r>
+              <a:rPr lang="en-US" dirty="0"/>
+              <a:t>HW7 due today</a:t>
+            </a:r>
+          </a:p>
+          <a:p>
+            <a:r>
+              <a:rPr lang="en-US" dirty="0"/>
+              <a:t>HW8 will post today – </a:t>
+            </a:r>
+          </a:p>
+          <a:p>
+            <a:pPr lvl="1"/>
+            <a:r>
+              <a:rPr lang="en-US" dirty="0"/>
+              <a:t>there will be time to work on it in the next lab</a:t>
+            </a:r>
+          </a:p>
+          <a:p>
+            <a:pPr lvl="1"/>
+            <a:r>
+              <a:rPr lang="en-US" dirty="0"/>
+              <a:t>I’ll give you some hints today on how to do it.</a:t>
+            </a:r>
+          </a:p>
+          <a:p>
+            <a:r>
+              <a:rPr lang="en-US" dirty="0"/>
+              <a:t>Guest lectures / panels upcoming</a:t>
+            </a:r>
+          </a:p>
+          <a:p>
+            <a:pPr lvl="1"/>
+            <a:r>
+              <a:rPr lang="en-US" dirty="0"/>
+              <a:t>Nov 1</a:t>
+            </a:r>
+          </a:p>
+          <a:p>
+            <a:pPr lvl="1"/>
+            <a:r>
+              <a:rPr lang="en-US" dirty="0"/>
+              <a:t>Nov 15</a:t>
+            </a:r>
           </a:p>
         </p:txBody>
       </p:sp>

--- a/lecture/Lecture 18 October 23/18 resampling.pptx
+++ b/lecture/Lecture 18 October 23/18 resampling.pptx
@@ -5,7 +5,7 @@
     <p:sldMasterId id="2147483648" r:id="rId1"/>
   </p:sldMasterIdLst>
   <p:notesMasterIdLst>
-    <p:notesMasterId r:id="rId21"/>
+    <p:notesMasterId r:id="rId16"/>
   </p:notesMasterIdLst>
   <p:sldIdLst>
     <p:sldId id="256" r:id="rId2"/>
@@ -22,11 +22,6 @@
     <p:sldId id="265" r:id="rId13"/>
     <p:sldId id="264" r:id="rId14"/>
     <p:sldId id="274" r:id="rId15"/>
-    <p:sldId id="266" r:id="rId16"/>
-    <p:sldId id="267" r:id="rId17"/>
-    <p:sldId id="268" r:id="rId18"/>
-    <p:sldId id="269" r:id="rId19"/>
-    <p:sldId id="270" r:id="rId20"/>
   </p:sldIdLst>
   <p:sldSz cx="12192000" cy="6858000"/>
   <p:notesSz cx="6858000" cy="9144000"/>
@@ -4394,7 +4389,16 @@
           <a:bodyPr/>
           <a:lstStyle/>
           <a:p>
-            <a:endParaRPr lang="en-US"/>
+            <a:r>
+              <a:rPr lang="en-US" dirty="0">
+                <a:hlinkClick r:id="rId2"/>
+              </a:rPr>
+              <a:t>Here is the interact link</a:t>
+            </a:r>
+            <a:r>
+              <a:rPr lang="en-US" dirty="0"/>
+              <a:t>.</a:t>
+            </a:r>
           </a:p>
         </p:txBody>
       </p:sp>
@@ -4431,1427 +4435,6 @@
     <p:extLst>
       <p:ext uri="{BB962C8B-B14F-4D97-AF65-F5344CB8AC3E}">
         <p14:creationId xmlns:p14="http://schemas.microsoft.com/office/powerpoint/2010/main" val="2403236780"/>
-      </p:ext>
-    </p:extLst>
-  </p:cSld>
-  <p:clrMapOvr>
-    <a:masterClrMapping/>
-  </p:clrMapOvr>
-</p:sld>
-</file>
-
-<file path=ppt/slides/slide15.xml><?xml version="1.0" encoding="utf-8"?>
-<p:sld xmlns:a="http://schemas.openxmlformats.org/drawingml/2006/main" xmlns:r="http://schemas.openxmlformats.org/officeDocument/2006/relationships" xmlns:p="http://schemas.openxmlformats.org/presentationml/2006/main">
-  <p:cSld>
-    <p:spTree>
-      <p:nvGrpSpPr>
-        <p:cNvPr id="1" name=""/>
-        <p:cNvGrpSpPr/>
-        <p:nvPr/>
-      </p:nvGrpSpPr>
-      <p:grpSpPr>
-        <a:xfrm>
-          <a:off x="0" y="0"/>
-          <a:ext cx="0" cy="0"/>
-          <a:chOff x="0" y="0"/>
-          <a:chExt cx="0" cy="0"/>
-        </a:xfrm>
-      </p:grpSpPr>
-      <p:sp>
-        <p:nvSpPr>
-          <p:cNvPr id="2" name="Title 1"/>
-          <p:cNvSpPr>
-            <a:spLocks noGrp="1"/>
-          </p:cNvSpPr>
-          <p:nvPr>
-            <p:ph type="title"/>
-          </p:nvPr>
-        </p:nvSpPr>
-        <p:spPr/>
-        <p:txBody>
-          <a:bodyPr/>
-          <a:lstStyle/>
-          <a:p>
-            <a:r>
-              <a:rPr lang="en-US" dirty="0"/>
-              <a:t>The Bootstrap</a:t>
-            </a:r>
-          </a:p>
-        </p:txBody>
-      </p:sp>
-      <p:sp>
-        <p:nvSpPr>
-          <p:cNvPr id="3" name="Content Placeholder 2"/>
-          <p:cNvSpPr>
-            <a:spLocks noGrp="1"/>
-          </p:cNvSpPr>
-          <p:nvPr>
-            <p:ph idx="1"/>
-          </p:nvPr>
-        </p:nvSpPr>
-        <p:spPr>
-          <a:xfrm>
-            <a:off x="838200" y="1644867"/>
-            <a:ext cx="10515600" cy="4895850"/>
-          </a:xfrm>
-        </p:spPr>
-        <p:txBody>
-          <a:bodyPr/>
-          <a:lstStyle/>
-          <a:p>
-            <a:r>
-              <a:rPr lang="en-US" dirty="0"/>
-              <a:t>Standard error -- what is it?</a:t>
-            </a:r>
-          </a:p>
-          <a:p>
-            <a:pPr lvl="1"/>
-            <a:r>
-              <a:rPr lang="en-US" dirty="0"/>
-              <a:t>A measure of the average difference between an </a:t>
-            </a:r>
-            <a:r>
-              <a:rPr lang="en-US" i="1" dirty="0"/>
-              <a:t>estimate</a:t>
-            </a:r>
-            <a:r>
-              <a:rPr lang="en-US" dirty="0"/>
-              <a:t> of a parameter from the true value of the parameter.</a:t>
-            </a:r>
-          </a:p>
-          <a:p>
-            <a:r>
-              <a:rPr lang="en-US" dirty="0"/>
-              <a:t>Standard errors can be computed with simple formulae in some cases, for example for coefficients fit using ordinary least squares (OLS) regression</a:t>
-            </a:r>
-          </a:p>
-          <a:p>
-            <a:r>
-              <a:rPr lang="en-US" dirty="0"/>
-              <a:t>However for many other cases there is no simple formula</a:t>
-            </a:r>
-          </a:p>
-          <a:p>
-            <a:pPr lvl="1"/>
-            <a:r>
-              <a:rPr lang="en-US" dirty="0"/>
-              <a:t>When the assumptions required to apply the formulae don’t apply, even if you’re doing OLS</a:t>
-            </a:r>
-          </a:p>
-          <a:p>
-            <a:pPr lvl="2"/>
-            <a:r>
-              <a:rPr lang="en-US" dirty="0"/>
-              <a:t>For example if your errors are strongly correlated</a:t>
-            </a:r>
-          </a:p>
-          <a:p>
-            <a:pPr lvl="1"/>
-            <a:r>
-              <a:rPr lang="en-US" dirty="0"/>
-              <a:t>When you’re using a different algorithm to fit your model, for example linear discriminant analysis.</a:t>
-            </a:r>
-          </a:p>
-        </p:txBody>
-      </p:sp>
-      <p:sp>
-        <p:nvSpPr>
-          <p:cNvPr id="4" name="Slide Number Placeholder 3"/>
-          <p:cNvSpPr>
-            <a:spLocks noGrp="1"/>
-          </p:cNvSpPr>
-          <p:nvPr>
-            <p:ph type="sldNum" sz="quarter" idx="12"/>
-          </p:nvPr>
-        </p:nvSpPr>
-        <p:spPr/>
-        <p:txBody>
-          <a:bodyPr/>
-          <a:lstStyle/>
-          <a:p>
-            <a:fld id="{C6FBB51E-E58D-0A45-93F8-CB3BB84D1E80}" type="slidenum">
-              <a:rPr lang="en-US" smtClean="0"/>
-              <a:t>15</a:t>
-            </a:fld>
-            <a:endParaRPr lang="en-US"/>
-          </a:p>
-        </p:txBody>
-      </p:sp>
-    </p:spTree>
-    <p:extLst>
-      <p:ext uri="{BB962C8B-B14F-4D97-AF65-F5344CB8AC3E}">
-        <p14:creationId xmlns:p14="http://schemas.microsoft.com/office/powerpoint/2010/main" val="1659634423"/>
-      </p:ext>
-    </p:extLst>
-  </p:cSld>
-  <p:clrMapOvr>
-    <a:masterClrMapping/>
-  </p:clrMapOvr>
-  <p:timing>
-    <p:tnLst>
-      <p:par>
-        <p:cTn id="1" dur="indefinite" restart="never" nodeType="tmRoot">
-          <p:childTnLst>
-            <p:seq concurrent="1" nextAc="seek">
-              <p:cTn id="2" dur="indefinite" nodeType="mainSeq">
-                <p:childTnLst>
-                  <p:par>
-                    <p:cTn id="3" fill="hold">
-                      <p:stCondLst>
-                        <p:cond delay="indefinite"/>
-                      </p:stCondLst>
-                      <p:childTnLst>
-                        <p:par>
-                          <p:cTn id="4" fill="hold">
-                            <p:stCondLst>
-                              <p:cond delay="0"/>
-                            </p:stCondLst>
-                            <p:childTnLst>
-                              <p:par>
-                                <p:cTn id="5" presetID="1" presetClass="entr" presetSubtype="0" fill="hold" nodeType="clickEffect">
-                                  <p:stCondLst>
-                                    <p:cond delay="0"/>
-                                  </p:stCondLst>
-                                  <p:childTnLst>
-                                    <p:set>
-                                      <p:cBhvr>
-                                        <p:cTn id="6" dur="1" fill="hold">
-                                          <p:stCondLst>
-                                            <p:cond delay="0"/>
-                                          </p:stCondLst>
-                                        </p:cTn>
-                                        <p:tgtEl>
-                                          <p:spTgt spid="3">
-                                            <p:txEl>
-                                              <p:pRg st="1" end="1"/>
-                                            </p:txEl>
-                                          </p:spTgt>
-                                        </p:tgtEl>
-                                        <p:attrNameLst>
-                                          <p:attrName>style.visibility</p:attrName>
-                                        </p:attrNameLst>
-                                      </p:cBhvr>
-                                      <p:to>
-                                        <p:strVal val="visible"/>
-                                      </p:to>
-                                    </p:set>
-                                  </p:childTnLst>
-                                </p:cTn>
-                              </p:par>
-                              <p:par>
-                                <p:cTn id="7" presetID="1" presetClass="entr" presetSubtype="0" fill="hold" nodeType="withEffect">
-                                  <p:stCondLst>
-                                    <p:cond delay="0"/>
-                                  </p:stCondLst>
-                                  <p:childTnLst>
-                                    <p:set>
-                                      <p:cBhvr>
-                                        <p:cTn id="8" dur="1" fill="hold">
-                                          <p:stCondLst>
-                                            <p:cond delay="0"/>
-                                          </p:stCondLst>
-                                        </p:cTn>
-                                        <p:tgtEl>
-                                          <p:spTgt spid="3">
-                                            <p:txEl>
-                                              <p:pRg st="2" end="2"/>
-                                            </p:txEl>
-                                          </p:spTgt>
-                                        </p:tgtEl>
-                                        <p:attrNameLst>
-                                          <p:attrName>style.visibility</p:attrName>
-                                        </p:attrNameLst>
-                                      </p:cBhvr>
-                                      <p:to>
-                                        <p:strVal val="visible"/>
-                                      </p:to>
-                                    </p:set>
-                                  </p:childTnLst>
-                                </p:cTn>
-                              </p:par>
-                              <p:par>
-                                <p:cTn id="9" presetID="1" presetClass="entr" presetSubtype="0" fill="hold" nodeType="withEffect">
-                                  <p:stCondLst>
-                                    <p:cond delay="0"/>
-                                  </p:stCondLst>
-                                  <p:childTnLst>
-                                    <p:set>
-                                      <p:cBhvr>
-                                        <p:cTn id="10" dur="1" fill="hold">
-                                          <p:stCondLst>
-                                            <p:cond delay="0"/>
-                                          </p:stCondLst>
-                                        </p:cTn>
-                                        <p:tgtEl>
-                                          <p:spTgt spid="3">
-                                            <p:txEl>
-                                              <p:pRg st="3" end="3"/>
-                                            </p:txEl>
-                                          </p:spTgt>
-                                        </p:tgtEl>
-                                        <p:attrNameLst>
-                                          <p:attrName>style.visibility</p:attrName>
-                                        </p:attrNameLst>
-                                      </p:cBhvr>
-                                      <p:to>
-                                        <p:strVal val="visible"/>
-                                      </p:to>
-                                    </p:set>
-                                  </p:childTnLst>
-                                </p:cTn>
-                              </p:par>
-                              <p:par>
-                                <p:cTn id="11" presetID="1" presetClass="entr" presetSubtype="0" fill="hold" nodeType="withEffect">
-                                  <p:stCondLst>
-                                    <p:cond delay="0"/>
-                                  </p:stCondLst>
-                                  <p:childTnLst>
-                                    <p:set>
-                                      <p:cBhvr>
-                                        <p:cTn id="12" dur="1" fill="hold">
-                                          <p:stCondLst>
-                                            <p:cond delay="0"/>
-                                          </p:stCondLst>
-                                        </p:cTn>
-                                        <p:tgtEl>
-                                          <p:spTgt spid="3">
-                                            <p:txEl>
-                                              <p:pRg st="4" end="4"/>
-                                            </p:txEl>
-                                          </p:spTgt>
-                                        </p:tgtEl>
-                                        <p:attrNameLst>
-                                          <p:attrName>style.visibility</p:attrName>
-                                        </p:attrNameLst>
-                                      </p:cBhvr>
-                                      <p:to>
-                                        <p:strVal val="visible"/>
-                                      </p:to>
-                                    </p:set>
-                                  </p:childTnLst>
-                                </p:cTn>
-                              </p:par>
-                              <p:par>
-                                <p:cTn id="13" presetID="1" presetClass="entr" presetSubtype="0" fill="hold" nodeType="withEffect">
-                                  <p:stCondLst>
-                                    <p:cond delay="0"/>
-                                  </p:stCondLst>
-                                  <p:childTnLst>
-                                    <p:set>
-                                      <p:cBhvr>
-                                        <p:cTn id="14" dur="1" fill="hold">
-                                          <p:stCondLst>
-                                            <p:cond delay="0"/>
-                                          </p:stCondLst>
-                                        </p:cTn>
-                                        <p:tgtEl>
-                                          <p:spTgt spid="3">
-                                            <p:txEl>
-                                              <p:pRg st="5" end="5"/>
-                                            </p:txEl>
-                                          </p:spTgt>
-                                        </p:tgtEl>
-                                        <p:attrNameLst>
-                                          <p:attrName>style.visibility</p:attrName>
-                                        </p:attrNameLst>
-                                      </p:cBhvr>
-                                      <p:to>
-                                        <p:strVal val="visible"/>
-                                      </p:to>
-                                    </p:set>
-                                  </p:childTnLst>
-                                </p:cTn>
-                              </p:par>
-                              <p:par>
-                                <p:cTn id="15" presetID="1" presetClass="entr" presetSubtype="0" fill="hold" nodeType="withEffect">
-                                  <p:stCondLst>
-                                    <p:cond delay="0"/>
-                                  </p:stCondLst>
-                                  <p:childTnLst>
-                                    <p:set>
-                                      <p:cBhvr>
-                                        <p:cTn id="16" dur="1" fill="hold">
-                                          <p:stCondLst>
-                                            <p:cond delay="0"/>
-                                          </p:stCondLst>
-                                        </p:cTn>
-                                        <p:tgtEl>
-                                          <p:spTgt spid="3">
-                                            <p:txEl>
-                                              <p:pRg st="6" end="6"/>
-                                            </p:txEl>
-                                          </p:spTgt>
-                                        </p:tgtEl>
-                                        <p:attrNameLst>
-                                          <p:attrName>style.visibility</p:attrName>
-                                        </p:attrNameLst>
-                                      </p:cBhvr>
-                                      <p:to>
-                                        <p:strVal val="visible"/>
-                                      </p:to>
-                                    </p:set>
-                                  </p:childTnLst>
-                                </p:cTn>
-                              </p:par>
-                            </p:childTnLst>
-                          </p:cTn>
-                        </p:par>
-                      </p:childTnLst>
-                    </p:cTn>
-                  </p:par>
-                </p:childTnLst>
-              </p:cTn>
-              <p:prevCondLst>
-                <p:cond evt="onPrev" delay="0">
-                  <p:tgtEl>
-                    <p:sldTgt/>
-                  </p:tgtEl>
-                </p:cond>
-              </p:prevCondLst>
-              <p:nextCondLst>
-                <p:cond evt="onNext" delay="0">
-                  <p:tgtEl>
-                    <p:sldTgt/>
-                  </p:tgtEl>
-                </p:cond>
-              </p:nextCondLst>
-            </p:seq>
-          </p:childTnLst>
-        </p:cTn>
-      </p:par>
-    </p:tnLst>
-  </p:timing>
-</p:sld>
-</file>
-
-<file path=ppt/slides/slide16.xml><?xml version="1.0" encoding="utf-8"?>
-<p:sld xmlns:a="http://schemas.openxmlformats.org/drawingml/2006/main" xmlns:r="http://schemas.openxmlformats.org/officeDocument/2006/relationships" xmlns:p="http://schemas.openxmlformats.org/presentationml/2006/main">
-  <p:cSld>
-    <p:spTree>
-      <p:nvGrpSpPr>
-        <p:cNvPr id="1" name=""/>
-        <p:cNvGrpSpPr/>
-        <p:nvPr/>
-      </p:nvGrpSpPr>
-      <p:grpSpPr>
-        <a:xfrm>
-          <a:off x="0" y="0"/>
-          <a:ext cx="0" cy="0"/>
-          <a:chOff x="0" y="0"/>
-          <a:chExt cx="0" cy="0"/>
-        </a:xfrm>
-      </p:grpSpPr>
-      <p:sp>
-        <p:nvSpPr>
-          <p:cNvPr id="2" name="Title 1"/>
-          <p:cNvSpPr>
-            <a:spLocks noGrp="1"/>
-          </p:cNvSpPr>
-          <p:nvPr>
-            <p:ph type="title"/>
-          </p:nvPr>
-        </p:nvSpPr>
-        <p:spPr/>
-        <p:txBody>
-          <a:bodyPr/>
-          <a:lstStyle/>
-          <a:p>
-            <a:r>
-              <a:rPr lang="en-US" dirty="0"/>
-              <a:t>Computing the standard error numerically</a:t>
-            </a:r>
-          </a:p>
-        </p:txBody>
-      </p:sp>
-      <p:sp>
-        <p:nvSpPr>
-          <p:cNvPr id="3" name="Content Placeholder 2"/>
-          <p:cNvSpPr>
-            <a:spLocks noGrp="1"/>
-          </p:cNvSpPr>
-          <p:nvPr>
-            <p:ph idx="1"/>
-          </p:nvPr>
-        </p:nvSpPr>
-        <p:spPr/>
-        <p:txBody>
-          <a:bodyPr>
-            <a:normAutofit lnSpcReduction="10000"/>
-          </a:bodyPr>
-          <a:lstStyle/>
-          <a:p>
-            <a:r>
-              <a:rPr lang="en-US" dirty="0"/>
-              <a:t>If you can’t directly apply a formula to compute the standard error, you might be able to use your computer to construct the distribution</a:t>
-            </a:r>
-          </a:p>
-          <a:p>
-            <a:r>
-              <a:rPr lang="en-US" dirty="0"/>
-              <a:t>You could draw new </a:t>
-            </a:r>
-            <a:r>
-              <a:rPr lang="en-US" i="1" dirty="0"/>
-              <a:t>sets</a:t>
-            </a:r>
-            <a:r>
-              <a:rPr lang="en-US" dirty="0"/>
-              <a:t> of samples from your population repeatedly and </a:t>
-            </a:r>
-            <a:r>
-              <a:rPr lang="en-US" dirty="0" err="1"/>
-              <a:t>recompute</a:t>
-            </a:r>
-            <a:r>
-              <a:rPr lang="en-US" dirty="0"/>
-              <a:t> the parameter of interest</a:t>
-            </a:r>
-          </a:p>
-          <a:p>
-            <a:pPr lvl="1"/>
-            <a:r>
-              <a:rPr lang="en-US" dirty="0"/>
-              <a:t>For example draw a set of N = 100 observations and repeat B = 1,000 times</a:t>
-            </a:r>
-          </a:p>
-          <a:p>
-            <a:pPr lvl="1"/>
-            <a:r>
-              <a:rPr lang="en-US" dirty="0"/>
-              <a:t>The average parameter estimate across the B draws will be the true parameter, and you can measure the standard error from the distribution of parameter estimates</a:t>
-            </a:r>
-          </a:p>
-          <a:p>
-            <a:r>
-              <a:rPr lang="en-US" dirty="0"/>
-              <a:t>But!  We can’t usually repeatedly sample from the true population</a:t>
-            </a:r>
-          </a:p>
-          <a:p>
-            <a:pPr lvl="1"/>
-            <a:r>
-              <a:rPr lang="en-US" dirty="0"/>
-              <a:t>You can’t go out and re-survey a new set of 100 randomly chosen 1,000 times (or else you’ll never graduate!)</a:t>
-            </a:r>
-          </a:p>
-        </p:txBody>
-      </p:sp>
-      <p:sp>
-        <p:nvSpPr>
-          <p:cNvPr id="4" name="Slide Number Placeholder 3"/>
-          <p:cNvSpPr>
-            <a:spLocks noGrp="1"/>
-          </p:cNvSpPr>
-          <p:nvPr>
-            <p:ph type="sldNum" sz="quarter" idx="12"/>
-          </p:nvPr>
-        </p:nvSpPr>
-        <p:spPr/>
-        <p:txBody>
-          <a:bodyPr/>
-          <a:lstStyle/>
-          <a:p>
-            <a:fld id="{C6FBB51E-E58D-0A45-93F8-CB3BB84D1E80}" type="slidenum">
-              <a:rPr lang="en-US" smtClean="0"/>
-              <a:t>16</a:t>
-            </a:fld>
-            <a:endParaRPr lang="en-US"/>
-          </a:p>
-        </p:txBody>
-      </p:sp>
-    </p:spTree>
-    <p:extLst>
-      <p:ext uri="{BB962C8B-B14F-4D97-AF65-F5344CB8AC3E}">
-        <p14:creationId xmlns:p14="http://schemas.microsoft.com/office/powerpoint/2010/main" val="1464036339"/>
-      </p:ext>
-    </p:extLst>
-  </p:cSld>
-  <p:clrMapOvr>
-    <a:masterClrMapping/>
-  </p:clrMapOvr>
-</p:sld>
-</file>
-
-<file path=ppt/slides/slide17.xml><?xml version="1.0" encoding="utf-8"?>
-<p:sld xmlns:a="http://schemas.openxmlformats.org/drawingml/2006/main" xmlns:r="http://schemas.openxmlformats.org/officeDocument/2006/relationships" xmlns:p="http://schemas.openxmlformats.org/presentationml/2006/main">
-  <p:cSld>
-    <p:spTree>
-      <p:nvGrpSpPr>
-        <p:cNvPr id="1" name=""/>
-        <p:cNvGrpSpPr/>
-        <p:nvPr/>
-      </p:nvGrpSpPr>
-      <p:grpSpPr>
-        <a:xfrm>
-          <a:off x="0" y="0"/>
-          <a:ext cx="0" cy="0"/>
-          <a:chOff x="0" y="0"/>
-          <a:chExt cx="0" cy="0"/>
-        </a:xfrm>
-      </p:grpSpPr>
-      <p:sp>
-        <p:nvSpPr>
-          <p:cNvPr id="2" name="Title 1"/>
-          <p:cNvSpPr>
-            <a:spLocks noGrp="1"/>
-          </p:cNvSpPr>
-          <p:nvPr>
-            <p:ph type="title"/>
-          </p:nvPr>
-        </p:nvSpPr>
-        <p:spPr/>
-        <p:txBody>
-          <a:bodyPr/>
-          <a:lstStyle/>
-          <a:p>
-            <a:r>
-              <a:rPr lang="en-US" dirty="0"/>
-              <a:t>Enter the bootstrap</a:t>
-            </a:r>
-          </a:p>
-        </p:txBody>
-      </p:sp>
-      <p:sp>
-        <p:nvSpPr>
-          <p:cNvPr id="3" name="Content Placeholder 2"/>
-          <p:cNvSpPr>
-            <a:spLocks noGrp="1"/>
-          </p:cNvSpPr>
-          <p:nvPr>
-            <p:ph idx="1"/>
-          </p:nvPr>
-        </p:nvSpPr>
-        <p:spPr>
-          <a:xfrm>
-            <a:off x="838200" y="1697034"/>
-            <a:ext cx="6200774" cy="4895850"/>
-          </a:xfrm>
-        </p:spPr>
-        <p:txBody>
-          <a:bodyPr/>
-          <a:lstStyle/>
-          <a:p>
-            <a:r>
-              <a:rPr lang="en-US" dirty="0"/>
-              <a:t>First key idea: create a new sample from your original sample by sampling </a:t>
-            </a:r>
-            <a:r>
-              <a:rPr lang="en-US" i="1" dirty="0"/>
-              <a:t>with replacement</a:t>
-            </a:r>
-            <a:r>
-              <a:rPr lang="en-US" dirty="0"/>
-              <a:t>.</a:t>
-            </a:r>
-          </a:p>
-          <a:p>
-            <a:r>
-              <a:rPr lang="en-US" dirty="0"/>
-              <a:t>Repeat this B times</a:t>
-            </a:r>
-          </a:p>
-          <a:p>
-            <a:r>
-              <a:rPr lang="en-US" dirty="0"/>
-              <a:t>Record the parameters you care about each time</a:t>
-            </a:r>
-          </a:p>
-          <a:p>
-            <a:r>
-              <a:rPr lang="en-US" dirty="0"/>
-              <a:t>The average parameter </a:t>
-            </a:r>
-            <a:r>
-              <a:rPr lang="en-US"/>
-              <a:t>estimate will equal </a:t>
-            </a:r>
-            <a:r>
-              <a:rPr lang="en-US" dirty="0"/>
-              <a:t>the true parameter</a:t>
-            </a:r>
-          </a:p>
-          <a:p>
-            <a:r>
-              <a:rPr lang="en-US" dirty="0"/>
-              <a:t>Second key idea:  the standard error of the parameter estimate </a:t>
-            </a:r>
-            <a:r>
-              <a:rPr lang="en-US" i="1" dirty="0"/>
-              <a:t>will</a:t>
-            </a:r>
-            <a:r>
-              <a:rPr lang="en-US" dirty="0"/>
-              <a:t> be roughly the true standard error.</a:t>
-            </a:r>
-          </a:p>
-          <a:p>
-            <a:pPr lvl="1"/>
-            <a:endParaRPr lang="en-US" dirty="0"/>
-          </a:p>
-        </p:txBody>
-      </p:sp>
-      <p:sp>
-        <p:nvSpPr>
-          <p:cNvPr id="4" name="Slide Number Placeholder 3"/>
-          <p:cNvSpPr>
-            <a:spLocks noGrp="1"/>
-          </p:cNvSpPr>
-          <p:nvPr>
-            <p:ph type="sldNum" sz="quarter" idx="12"/>
-          </p:nvPr>
-        </p:nvSpPr>
-        <p:spPr/>
-        <p:txBody>
-          <a:bodyPr/>
-          <a:lstStyle/>
-          <a:p>
-            <a:fld id="{C6FBB51E-E58D-0A45-93F8-CB3BB84D1E80}" type="slidenum">
-              <a:rPr lang="en-US" smtClean="0"/>
-              <a:t>17</a:t>
-            </a:fld>
-            <a:endParaRPr lang="en-US"/>
-          </a:p>
-        </p:txBody>
-      </p:sp>
-      <p:pic>
-        <p:nvPicPr>
-          <p:cNvPr id="5" name="Picture 4"/>
-          <p:cNvPicPr>
-            <a:picLocks noChangeAspect="1"/>
-          </p:cNvPicPr>
-          <p:nvPr/>
-        </p:nvPicPr>
-        <p:blipFill>
-          <a:blip r:embed="rId2"/>
-          <a:stretch>
-            <a:fillRect/>
-          </a:stretch>
-        </p:blipFill>
-        <p:spPr>
-          <a:xfrm>
-            <a:off x="6286500" y="1479555"/>
-            <a:ext cx="5327649" cy="4408442"/>
-          </a:xfrm>
-          <a:prstGeom prst="rect">
-            <a:avLst/>
-          </a:prstGeom>
-        </p:spPr>
-      </p:pic>
-    </p:spTree>
-    <p:extLst>
-      <p:ext uri="{BB962C8B-B14F-4D97-AF65-F5344CB8AC3E}">
-        <p14:creationId xmlns:p14="http://schemas.microsoft.com/office/powerpoint/2010/main" val="971471751"/>
-      </p:ext>
-    </p:extLst>
-  </p:cSld>
-  <p:clrMapOvr>
-    <a:masterClrMapping/>
-  </p:clrMapOvr>
-</p:sld>
-</file>
-
-<file path=ppt/slides/slide18.xml><?xml version="1.0" encoding="utf-8"?>
-<p:sld xmlns:a="http://schemas.openxmlformats.org/drawingml/2006/main" xmlns:r="http://schemas.openxmlformats.org/officeDocument/2006/relationships" xmlns:p="http://schemas.openxmlformats.org/presentationml/2006/main">
-  <p:cSld>
-    <p:spTree>
-      <p:nvGrpSpPr>
-        <p:cNvPr id="1" name=""/>
-        <p:cNvGrpSpPr/>
-        <p:nvPr/>
-      </p:nvGrpSpPr>
-      <p:grpSpPr>
-        <a:xfrm>
-          <a:off x="0" y="0"/>
-          <a:ext cx="0" cy="0"/>
-          <a:chOff x="0" y="0"/>
-          <a:chExt cx="0" cy="0"/>
-        </a:xfrm>
-      </p:grpSpPr>
-      <p:sp>
-        <p:nvSpPr>
-          <p:cNvPr id="2" name="Title 1"/>
-          <p:cNvSpPr>
-            <a:spLocks noGrp="1"/>
-          </p:cNvSpPr>
-          <p:nvPr>
-            <p:ph type="title"/>
-          </p:nvPr>
-        </p:nvSpPr>
-        <p:spPr>
-          <a:xfrm>
-            <a:off x="838200" y="1379543"/>
-            <a:ext cx="10515600" cy="1325563"/>
-          </a:xfrm>
-        </p:spPr>
-        <p:txBody>
-          <a:bodyPr/>
-          <a:lstStyle/>
-          <a:p>
-            <a:r>
-              <a:rPr lang="en-US" dirty="0"/>
-              <a:t>In other words</a:t>
-            </a:r>
-            <a:r>
-              <a:rPr lang="mr-IN" dirty="0"/>
-              <a:t>…</a:t>
-            </a:r>
-            <a:endParaRPr lang="en-US" dirty="0"/>
-          </a:p>
-        </p:txBody>
-      </p:sp>
-      <p:sp>
-        <p:nvSpPr>
-          <p:cNvPr id="3" name="Content Placeholder 2"/>
-          <p:cNvSpPr>
-            <a:spLocks noGrp="1"/>
-          </p:cNvSpPr>
-          <p:nvPr>
-            <p:ph idx="1"/>
-          </p:nvPr>
-        </p:nvSpPr>
-        <p:spPr>
-          <a:xfrm>
-            <a:off x="838200" y="2497139"/>
-            <a:ext cx="10515600" cy="1217613"/>
-          </a:xfrm>
-        </p:spPr>
-        <p:txBody>
-          <a:bodyPr/>
-          <a:lstStyle/>
-          <a:p>
-            <a:r>
-              <a:rPr lang="en-US" dirty="0"/>
-              <a:t>“The population is to the sample what the sample is to the bootstrapped sample”</a:t>
-            </a:r>
-          </a:p>
-        </p:txBody>
-      </p:sp>
-      <p:sp>
-        <p:nvSpPr>
-          <p:cNvPr id="4" name="Slide Number Placeholder 3"/>
-          <p:cNvSpPr>
-            <a:spLocks noGrp="1"/>
-          </p:cNvSpPr>
-          <p:nvPr>
-            <p:ph type="sldNum" sz="quarter" idx="12"/>
-          </p:nvPr>
-        </p:nvSpPr>
-        <p:spPr/>
-        <p:txBody>
-          <a:bodyPr/>
-          <a:lstStyle/>
-          <a:p>
-            <a:fld id="{C6FBB51E-E58D-0A45-93F8-CB3BB84D1E80}" type="slidenum">
-              <a:rPr lang="en-US" smtClean="0"/>
-              <a:t>18</a:t>
-            </a:fld>
-            <a:endParaRPr lang="en-US"/>
-          </a:p>
-        </p:txBody>
-      </p:sp>
-      <p:sp>
-        <p:nvSpPr>
-          <p:cNvPr id="5" name="Title 1"/>
-          <p:cNvSpPr txBox="1">
-            <a:spLocks/>
-          </p:cNvSpPr>
-          <p:nvPr/>
-        </p:nvSpPr>
-        <p:spPr>
-          <a:xfrm>
-            <a:off x="838200" y="3775083"/>
-            <a:ext cx="10515600" cy="1325563"/>
-          </a:xfrm>
-          <a:prstGeom prst="rect">
-            <a:avLst/>
-          </a:prstGeom>
-        </p:spPr>
-        <p:txBody>
-          <a:bodyPr vert="horz" lIns="91440" tIns="45720" rIns="91440" bIns="45720" rtlCol="0" anchor="ctr">
-            <a:normAutofit/>
-          </a:bodyPr>
-          <a:lstStyle>
-            <a:lvl1pPr algn="l" defTabSz="914400" rtl="0" eaLnBrk="1" latinLnBrk="0" hangingPunct="1">
-              <a:lnSpc>
-                <a:spcPct val="90000"/>
-              </a:lnSpc>
-              <a:spcBef>
-                <a:spcPct val="0"/>
-              </a:spcBef>
-              <a:buNone/>
-              <a:defRPr sz="4400" kern="1200">
-                <a:solidFill>
-                  <a:schemeClr val="tx1"/>
-                </a:solidFill>
-                <a:latin typeface="+mj-lt"/>
-                <a:ea typeface="+mj-ea"/>
-                <a:cs typeface="+mj-cs"/>
-              </a:defRPr>
-            </a:lvl1pPr>
-          </a:lstStyle>
-          <a:p>
-            <a:r>
-              <a:rPr lang="en-US" dirty="0"/>
-              <a:t>How many in the sample?  How many samples?</a:t>
-            </a:r>
-          </a:p>
-        </p:txBody>
-      </p:sp>
-      <p:sp>
-        <p:nvSpPr>
-          <p:cNvPr id="6" name="Content Placeholder 2"/>
-          <p:cNvSpPr txBox="1">
-            <a:spLocks/>
-          </p:cNvSpPr>
-          <p:nvPr/>
-        </p:nvSpPr>
-        <p:spPr>
-          <a:xfrm>
-            <a:off x="838200" y="5235583"/>
-            <a:ext cx="10515600" cy="1217613"/>
-          </a:xfrm>
-          <a:prstGeom prst="rect">
-            <a:avLst/>
-          </a:prstGeom>
-        </p:spPr>
-        <p:txBody>
-          <a:bodyPr vert="horz" lIns="91440" tIns="45720" rIns="91440" bIns="45720" rtlCol="0">
-            <a:normAutofit fontScale="92500" lnSpcReduction="10000"/>
-          </a:bodyPr>
-          <a:lstStyle>
-            <a:lvl1pPr marL="228600" indent="-228600" algn="l" defTabSz="914400" rtl="0" eaLnBrk="1" latinLnBrk="0" hangingPunct="1">
-              <a:lnSpc>
-                <a:spcPct val="90000"/>
-              </a:lnSpc>
-              <a:spcBef>
-                <a:spcPts val="1000"/>
-              </a:spcBef>
-              <a:buFont typeface="Arial"/>
-              <a:buChar char="•"/>
-              <a:defRPr sz="2800" kern="1200">
-                <a:solidFill>
-                  <a:schemeClr val="tx1"/>
-                </a:solidFill>
-                <a:latin typeface="+mn-lt"/>
-                <a:ea typeface="+mn-ea"/>
-                <a:cs typeface="+mn-cs"/>
-              </a:defRPr>
-            </a:lvl1pPr>
-            <a:lvl2pPr marL="685800" indent="-228600" algn="l" defTabSz="914400" rtl="0" eaLnBrk="1" latinLnBrk="0" hangingPunct="1">
-              <a:lnSpc>
-                <a:spcPct val="90000"/>
-              </a:lnSpc>
-              <a:spcBef>
-                <a:spcPts val="500"/>
-              </a:spcBef>
-              <a:buFont typeface="Arial"/>
-              <a:buChar char="•"/>
-              <a:defRPr sz="2400" kern="1200">
-                <a:solidFill>
-                  <a:schemeClr val="tx1"/>
-                </a:solidFill>
-                <a:latin typeface="+mn-lt"/>
-                <a:ea typeface="+mn-ea"/>
-                <a:cs typeface="+mn-cs"/>
-              </a:defRPr>
-            </a:lvl2pPr>
-            <a:lvl3pPr marL="1143000" indent="-228600" algn="l" defTabSz="914400" rtl="0" eaLnBrk="1" latinLnBrk="0" hangingPunct="1">
-              <a:lnSpc>
-                <a:spcPct val="90000"/>
-              </a:lnSpc>
-              <a:spcBef>
-                <a:spcPts val="500"/>
-              </a:spcBef>
-              <a:buFont typeface="Arial"/>
-              <a:buChar char="•"/>
-              <a:defRPr sz="2000" kern="1200">
-                <a:solidFill>
-                  <a:schemeClr val="tx1"/>
-                </a:solidFill>
-                <a:latin typeface="+mn-lt"/>
-                <a:ea typeface="+mn-ea"/>
-                <a:cs typeface="+mn-cs"/>
-              </a:defRPr>
-            </a:lvl3pPr>
-            <a:lvl4pPr marL="1600200" indent="-228600" algn="l" defTabSz="914400" rtl="0" eaLnBrk="1" latinLnBrk="0" hangingPunct="1">
-              <a:lnSpc>
-                <a:spcPct val="90000"/>
-              </a:lnSpc>
-              <a:spcBef>
-                <a:spcPts val="500"/>
-              </a:spcBef>
-              <a:buFont typeface="Arial"/>
-              <a:buChar char="•"/>
-              <a:defRPr sz="1800" kern="1200">
-                <a:solidFill>
-                  <a:schemeClr val="tx1"/>
-                </a:solidFill>
-                <a:latin typeface="+mn-lt"/>
-                <a:ea typeface="+mn-ea"/>
-                <a:cs typeface="+mn-cs"/>
-              </a:defRPr>
-            </a:lvl4pPr>
-            <a:lvl5pPr marL="2057400" indent="-228600" algn="l" defTabSz="914400" rtl="0" eaLnBrk="1" latinLnBrk="0" hangingPunct="1">
-              <a:lnSpc>
-                <a:spcPct val="90000"/>
-              </a:lnSpc>
-              <a:spcBef>
-                <a:spcPts val="500"/>
-              </a:spcBef>
-              <a:buFont typeface="Arial"/>
-              <a:buChar char="•"/>
-              <a:defRPr sz="1800" kern="1200">
-                <a:solidFill>
-                  <a:schemeClr val="tx1"/>
-                </a:solidFill>
-                <a:latin typeface="+mn-lt"/>
-                <a:ea typeface="+mn-ea"/>
-                <a:cs typeface="+mn-cs"/>
-              </a:defRPr>
-            </a:lvl5pPr>
-            <a:lvl6pPr marL="2514600" indent="-228600" algn="l" defTabSz="914400" rtl="0" eaLnBrk="1" latinLnBrk="0" hangingPunct="1">
-              <a:lnSpc>
-                <a:spcPct val="90000"/>
-              </a:lnSpc>
-              <a:spcBef>
-                <a:spcPts val="500"/>
-              </a:spcBef>
-              <a:buFont typeface="Arial"/>
-              <a:buChar char="•"/>
-              <a:defRPr sz="1800" kern="1200">
-                <a:solidFill>
-                  <a:schemeClr val="tx1"/>
-                </a:solidFill>
-                <a:latin typeface="+mn-lt"/>
-                <a:ea typeface="+mn-ea"/>
-                <a:cs typeface="+mn-cs"/>
-              </a:defRPr>
-            </a:lvl6pPr>
-            <a:lvl7pPr marL="2971800" indent="-228600" algn="l" defTabSz="914400" rtl="0" eaLnBrk="1" latinLnBrk="0" hangingPunct="1">
-              <a:lnSpc>
-                <a:spcPct val="90000"/>
-              </a:lnSpc>
-              <a:spcBef>
-                <a:spcPts val="500"/>
-              </a:spcBef>
-              <a:buFont typeface="Arial"/>
-              <a:buChar char="•"/>
-              <a:defRPr sz="1800" kern="1200">
-                <a:solidFill>
-                  <a:schemeClr val="tx1"/>
-                </a:solidFill>
-                <a:latin typeface="+mn-lt"/>
-                <a:ea typeface="+mn-ea"/>
-                <a:cs typeface="+mn-cs"/>
-              </a:defRPr>
-            </a:lvl7pPr>
-            <a:lvl8pPr marL="3429000" indent="-228600" algn="l" defTabSz="914400" rtl="0" eaLnBrk="1" latinLnBrk="0" hangingPunct="1">
-              <a:lnSpc>
-                <a:spcPct val="90000"/>
-              </a:lnSpc>
-              <a:spcBef>
-                <a:spcPts val="500"/>
-              </a:spcBef>
-              <a:buFont typeface="Arial"/>
-              <a:buChar char="•"/>
-              <a:defRPr sz="1800" kern="1200">
-                <a:solidFill>
-                  <a:schemeClr val="tx1"/>
-                </a:solidFill>
-                <a:latin typeface="+mn-lt"/>
-                <a:ea typeface="+mn-ea"/>
-                <a:cs typeface="+mn-cs"/>
-              </a:defRPr>
-            </a:lvl8pPr>
-            <a:lvl9pPr marL="3886200" indent="-228600" algn="l" defTabSz="914400" rtl="0" eaLnBrk="1" latinLnBrk="0" hangingPunct="1">
-              <a:lnSpc>
-                <a:spcPct val="90000"/>
-              </a:lnSpc>
-              <a:spcBef>
-                <a:spcPts val="500"/>
-              </a:spcBef>
-              <a:buFont typeface="Arial"/>
-              <a:buChar char="•"/>
-              <a:defRPr sz="1800" kern="1200">
-                <a:solidFill>
-                  <a:schemeClr val="tx1"/>
-                </a:solidFill>
-                <a:latin typeface="+mn-lt"/>
-                <a:ea typeface="+mn-ea"/>
-                <a:cs typeface="+mn-cs"/>
-              </a:defRPr>
-            </a:lvl9pPr>
-          </a:lstStyle>
-          <a:p>
-            <a:r>
-              <a:rPr lang="en-US" dirty="0"/>
-              <a:t>N = (Rule of thumb) Make your samples equal in size to the original sample</a:t>
-            </a:r>
-          </a:p>
-          <a:p>
-            <a:r>
-              <a:rPr lang="en-US" dirty="0"/>
-              <a:t>B = (Good practice) keep generating new samples until your estimates (parameter average and standard error) converge</a:t>
-            </a:r>
-          </a:p>
-        </p:txBody>
-      </p:sp>
-      <p:sp>
-        <p:nvSpPr>
-          <p:cNvPr id="7" name="Content Placeholder 2"/>
-          <p:cNvSpPr txBox="1">
-            <a:spLocks/>
-          </p:cNvSpPr>
-          <p:nvPr/>
-        </p:nvSpPr>
-        <p:spPr>
-          <a:xfrm>
-            <a:off x="838200" y="520705"/>
-            <a:ext cx="10515600" cy="1217613"/>
-          </a:xfrm>
-          <a:prstGeom prst="rect">
-            <a:avLst/>
-          </a:prstGeom>
-        </p:spPr>
-        <p:txBody>
-          <a:bodyPr vert="horz" lIns="91440" tIns="45720" rIns="91440" bIns="45720" rtlCol="0">
-            <a:normAutofit/>
-          </a:bodyPr>
-          <a:lstStyle>
-            <a:lvl1pPr marL="228600" indent="-228600" algn="l" defTabSz="914400" rtl="0" eaLnBrk="1" latinLnBrk="0" hangingPunct="1">
-              <a:lnSpc>
-                <a:spcPct val="90000"/>
-              </a:lnSpc>
-              <a:spcBef>
-                <a:spcPts val="1000"/>
-              </a:spcBef>
-              <a:buFont typeface="Arial"/>
-              <a:buChar char="•"/>
-              <a:defRPr sz="2800" kern="1200">
-                <a:solidFill>
-                  <a:schemeClr val="tx1"/>
-                </a:solidFill>
-                <a:latin typeface="+mn-lt"/>
-                <a:ea typeface="+mn-ea"/>
-                <a:cs typeface="+mn-cs"/>
-              </a:defRPr>
-            </a:lvl1pPr>
-            <a:lvl2pPr marL="685800" indent="-228600" algn="l" defTabSz="914400" rtl="0" eaLnBrk="1" latinLnBrk="0" hangingPunct="1">
-              <a:lnSpc>
-                <a:spcPct val="90000"/>
-              </a:lnSpc>
-              <a:spcBef>
-                <a:spcPts val="500"/>
-              </a:spcBef>
-              <a:buFont typeface="Arial"/>
-              <a:buChar char="•"/>
-              <a:defRPr sz="2400" kern="1200">
-                <a:solidFill>
-                  <a:schemeClr val="tx1"/>
-                </a:solidFill>
-                <a:latin typeface="+mn-lt"/>
-                <a:ea typeface="+mn-ea"/>
-                <a:cs typeface="+mn-cs"/>
-              </a:defRPr>
-            </a:lvl2pPr>
-            <a:lvl3pPr marL="1143000" indent="-228600" algn="l" defTabSz="914400" rtl="0" eaLnBrk="1" latinLnBrk="0" hangingPunct="1">
-              <a:lnSpc>
-                <a:spcPct val="90000"/>
-              </a:lnSpc>
-              <a:spcBef>
-                <a:spcPts val="500"/>
-              </a:spcBef>
-              <a:buFont typeface="Arial"/>
-              <a:buChar char="•"/>
-              <a:defRPr sz="2000" kern="1200">
-                <a:solidFill>
-                  <a:schemeClr val="tx1"/>
-                </a:solidFill>
-                <a:latin typeface="+mn-lt"/>
-                <a:ea typeface="+mn-ea"/>
-                <a:cs typeface="+mn-cs"/>
-              </a:defRPr>
-            </a:lvl3pPr>
-            <a:lvl4pPr marL="1600200" indent="-228600" algn="l" defTabSz="914400" rtl="0" eaLnBrk="1" latinLnBrk="0" hangingPunct="1">
-              <a:lnSpc>
-                <a:spcPct val="90000"/>
-              </a:lnSpc>
-              <a:spcBef>
-                <a:spcPts val="500"/>
-              </a:spcBef>
-              <a:buFont typeface="Arial"/>
-              <a:buChar char="•"/>
-              <a:defRPr sz="1800" kern="1200">
-                <a:solidFill>
-                  <a:schemeClr val="tx1"/>
-                </a:solidFill>
-                <a:latin typeface="+mn-lt"/>
-                <a:ea typeface="+mn-ea"/>
-                <a:cs typeface="+mn-cs"/>
-              </a:defRPr>
-            </a:lvl4pPr>
-            <a:lvl5pPr marL="2057400" indent="-228600" algn="l" defTabSz="914400" rtl="0" eaLnBrk="1" latinLnBrk="0" hangingPunct="1">
-              <a:lnSpc>
-                <a:spcPct val="90000"/>
-              </a:lnSpc>
-              <a:spcBef>
-                <a:spcPts val="500"/>
-              </a:spcBef>
-              <a:buFont typeface="Arial"/>
-              <a:buChar char="•"/>
-              <a:defRPr sz="1800" kern="1200">
-                <a:solidFill>
-                  <a:schemeClr val="tx1"/>
-                </a:solidFill>
-                <a:latin typeface="+mn-lt"/>
-                <a:ea typeface="+mn-ea"/>
-                <a:cs typeface="+mn-cs"/>
-              </a:defRPr>
-            </a:lvl5pPr>
-            <a:lvl6pPr marL="2514600" indent="-228600" algn="l" defTabSz="914400" rtl="0" eaLnBrk="1" latinLnBrk="0" hangingPunct="1">
-              <a:lnSpc>
-                <a:spcPct val="90000"/>
-              </a:lnSpc>
-              <a:spcBef>
-                <a:spcPts val="500"/>
-              </a:spcBef>
-              <a:buFont typeface="Arial"/>
-              <a:buChar char="•"/>
-              <a:defRPr sz="1800" kern="1200">
-                <a:solidFill>
-                  <a:schemeClr val="tx1"/>
-                </a:solidFill>
-                <a:latin typeface="+mn-lt"/>
-                <a:ea typeface="+mn-ea"/>
-                <a:cs typeface="+mn-cs"/>
-              </a:defRPr>
-            </a:lvl6pPr>
-            <a:lvl7pPr marL="2971800" indent="-228600" algn="l" defTabSz="914400" rtl="0" eaLnBrk="1" latinLnBrk="0" hangingPunct="1">
-              <a:lnSpc>
-                <a:spcPct val="90000"/>
-              </a:lnSpc>
-              <a:spcBef>
-                <a:spcPts val="500"/>
-              </a:spcBef>
-              <a:buFont typeface="Arial"/>
-              <a:buChar char="•"/>
-              <a:defRPr sz="1800" kern="1200">
-                <a:solidFill>
-                  <a:schemeClr val="tx1"/>
-                </a:solidFill>
-                <a:latin typeface="+mn-lt"/>
-                <a:ea typeface="+mn-ea"/>
-                <a:cs typeface="+mn-cs"/>
-              </a:defRPr>
-            </a:lvl7pPr>
-            <a:lvl8pPr marL="3429000" indent="-228600" algn="l" defTabSz="914400" rtl="0" eaLnBrk="1" latinLnBrk="0" hangingPunct="1">
-              <a:lnSpc>
-                <a:spcPct val="90000"/>
-              </a:lnSpc>
-              <a:spcBef>
-                <a:spcPts val="500"/>
-              </a:spcBef>
-              <a:buFont typeface="Arial"/>
-              <a:buChar char="•"/>
-              <a:defRPr sz="1800" kern="1200">
-                <a:solidFill>
-                  <a:schemeClr val="tx1"/>
-                </a:solidFill>
-                <a:latin typeface="+mn-lt"/>
-                <a:ea typeface="+mn-ea"/>
-                <a:cs typeface="+mn-cs"/>
-              </a:defRPr>
-            </a:lvl8pPr>
-            <a:lvl9pPr marL="3886200" indent="-228600" algn="l" defTabSz="914400" rtl="0" eaLnBrk="1" latinLnBrk="0" hangingPunct="1">
-              <a:lnSpc>
-                <a:spcPct val="90000"/>
-              </a:lnSpc>
-              <a:spcBef>
-                <a:spcPts val="500"/>
-              </a:spcBef>
-              <a:buFont typeface="Arial"/>
-              <a:buChar char="•"/>
-              <a:defRPr sz="1800" kern="1200">
-                <a:solidFill>
-                  <a:schemeClr val="tx1"/>
-                </a:solidFill>
-                <a:latin typeface="+mn-lt"/>
-                <a:ea typeface="+mn-ea"/>
-                <a:cs typeface="+mn-cs"/>
-              </a:defRPr>
-            </a:lvl9pPr>
-          </a:lstStyle>
-          <a:p>
-            <a:r>
-              <a:rPr lang="en-US" dirty="0"/>
-              <a:t>Say it again: the standard error of the bootstrapped parameter estimates is a decent approximation of true standard error.</a:t>
-            </a:r>
-          </a:p>
-        </p:txBody>
-      </p:sp>
-    </p:spTree>
-    <p:extLst>
-      <p:ext uri="{BB962C8B-B14F-4D97-AF65-F5344CB8AC3E}">
-        <p14:creationId xmlns:p14="http://schemas.microsoft.com/office/powerpoint/2010/main" val="552028881"/>
-      </p:ext>
-    </p:extLst>
-  </p:cSld>
-  <p:clrMapOvr>
-    <a:masterClrMapping/>
-  </p:clrMapOvr>
-</p:sld>
-</file>
-
-<file path=ppt/slides/slide19.xml><?xml version="1.0" encoding="utf-8"?>
-<p:sld xmlns:a="http://schemas.openxmlformats.org/drawingml/2006/main" xmlns:r="http://schemas.openxmlformats.org/officeDocument/2006/relationships" xmlns:p="http://schemas.openxmlformats.org/presentationml/2006/main">
-  <p:cSld>
-    <p:spTree>
-      <p:nvGrpSpPr>
-        <p:cNvPr id="1" name=""/>
-        <p:cNvGrpSpPr/>
-        <p:nvPr/>
-      </p:nvGrpSpPr>
-      <p:grpSpPr>
-        <a:xfrm>
-          <a:off x="0" y="0"/>
-          <a:ext cx="0" cy="0"/>
-          <a:chOff x="0" y="0"/>
-          <a:chExt cx="0" cy="0"/>
-        </a:xfrm>
-      </p:grpSpPr>
-      <p:sp>
-        <p:nvSpPr>
-          <p:cNvPr id="2" name="Title 1"/>
-          <p:cNvSpPr>
-            <a:spLocks noGrp="1"/>
-          </p:cNvSpPr>
-          <p:nvPr>
-            <p:ph type="title"/>
-          </p:nvPr>
-        </p:nvSpPr>
-        <p:spPr/>
-        <p:txBody>
-          <a:bodyPr/>
-          <a:lstStyle/>
-          <a:p>
-            <a:r>
-              <a:rPr lang="en-US" dirty="0"/>
-              <a:t>What can I bootstrap?</a:t>
-            </a:r>
-          </a:p>
-        </p:txBody>
-      </p:sp>
-      <p:sp>
-        <p:nvSpPr>
-          <p:cNvPr id="3" name="Content Placeholder 2"/>
-          <p:cNvSpPr>
-            <a:spLocks noGrp="1"/>
-          </p:cNvSpPr>
-          <p:nvPr>
-            <p:ph idx="1"/>
-          </p:nvPr>
-        </p:nvSpPr>
-        <p:spPr>
-          <a:xfrm>
-            <a:off x="838200" y="1825625"/>
-            <a:ext cx="5448300" cy="4351338"/>
-          </a:xfrm>
-        </p:spPr>
-        <p:txBody>
-          <a:bodyPr>
-            <a:normAutofit lnSpcReduction="10000"/>
-          </a:bodyPr>
-          <a:lstStyle/>
-          <a:p>
-            <a:r>
-              <a:rPr lang="en-US" dirty="0"/>
-              <a:t>This is one of the advantages of bootstrapping: anything you might want to calculate from your data, you can bootstrap.</a:t>
-            </a:r>
-          </a:p>
-          <a:p>
-            <a:r>
-              <a:rPr lang="en-US" dirty="0"/>
-              <a:t>You don’t need to limit yourself to regression coefficients</a:t>
-            </a:r>
-          </a:p>
-          <a:p>
-            <a:r>
-              <a:rPr lang="en-US" dirty="0"/>
-              <a:t>Example: bootstrapped estimates of CO2 avoided by implementing various technologies in different locations</a:t>
-            </a:r>
-            <a:r>
-              <a:rPr lang="en-US" sz="2000" dirty="0"/>
-              <a:t> (Callaway, </a:t>
-            </a:r>
-            <a:r>
-              <a:rPr lang="en-US" sz="2000" dirty="0" err="1"/>
-              <a:t>Fowlie</a:t>
-            </a:r>
-            <a:r>
-              <a:rPr lang="en-US" sz="2000" dirty="0"/>
-              <a:t> and McCormick, JAERE 2017)</a:t>
-            </a:r>
-            <a:endParaRPr lang="en-US" dirty="0"/>
-          </a:p>
-        </p:txBody>
-      </p:sp>
-      <p:sp>
-        <p:nvSpPr>
-          <p:cNvPr id="4" name="Slide Number Placeholder 3"/>
-          <p:cNvSpPr>
-            <a:spLocks noGrp="1"/>
-          </p:cNvSpPr>
-          <p:nvPr>
-            <p:ph type="sldNum" sz="quarter" idx="12"/>
-          </p:nvPr>
-        </p:nvSpPr>
-        <p:spPr/>
-        <p:txBody>
-          <a:bodyPr/>
-          <a:lstStyle/>
-          <a:p>
-            <a:fld id="{C6FBB51E-E58D-0A45-93F8-CB3BB84D1E80}" type="slidenum">
-              <a:rPr lang="en-US" smtClean="0"/>
-              <a:t>19</a:t>
-            </a:fld>
-            <a:endParaRPr lang="en-US"/>
-          </a:p>
-        </p:txBody>
-      </p:sp>
-      <p:pic>
-        <p:nvPicPr>
-          <p:cNvPr id="5" name="Picture 4"/>
-          <p:cNvPicPr>
-            <a:picLocks noChangeAspect="1"/>
-          </p:cNvPicPr>
-          <p:nvPr/>
-        </p:nvPicPr>
-        <p:blipFill>
-          <a:blip r:embed="rId2">
-            <a:extLst>
-              <a:ext uri="{28A0092B-C50C-407E-A947-70E740481C1C}">
-                <a14:useLocalDpi xmlns:a14="http://schemas.microsoft.com/office/drawing/2010/main" val="0"/>
-              </a:ext>
-            </a:extLst>
-          </a:blip>
-          <a:stretch>
-            <a:fillRect/>
-          </a:stretch>
-        </p:blipFill>
-        <p:spPr>
-          <a:xfrm>
-            <a:off x="6598699" y="1690688"/>
-            <a:ext cx="5345651" cy="3892550"/>
-          </a:xfrm>
-          <a:prstGeom prst="rect">
-            <a:avLst/>
-          </a:prstGeom>
-        </p:spPr>
-      </p:pic>
-    </p:spTree>
-    <p:extLst>
-      <p:ext uri="{BB962C8B-B14F-4D97-AF65-F5344CB8AC3E}">
-        <p14:creationId xmlns:p14="http://schemas.microsoft.com/office/powerpoint/2010/main" val="942745424"/>
       </p:ext>
     </p:extLst>
   </p:cSld>

--- a/lecture/Lecture 18 October 23/18 resampling.pptx
+++ b/lecture/Lecture 18 October 23/18 resampling.pptx
@@ -4554,6 +4554,17 @@
               <a:rPr lang="en-US" dirty="0"/>
               <a:t>Nov 15</a:t>
             </a:r>
+          </a:p>
+          <a:p>
+            <a:r>
+              <a:rPr lang="en-US" dirty="0"/>
+              <a:t>Reading for today</a:t>
+            </a:r>
+            <a:r>
+              <a:rPr lang="en-US"/>
+              <a:t>: ISLR 5.1</a:t>
+            </a:r>
+            <a:endParaRPr lang="en-US" dirty="0"/>
           </a:p>
         </p:txBody>
       </p:sp>
